--- a/Daily Agendas/Day11.4_SIMSwapFraud.pptx
+++ b/Daily Agendas/Day11.4_SIMSwapFraud.pptx
@@ -3114,7 +3114,15 @@
             <a:pPr lvl="1"/>
             <a:r>
               <a:rPr lang="en-CA" dirty="0" smtClean="0"/>
-              <a:t>Case Study A.4 – SIM Swap Fraud</a:t>
+              <a:t>Case Study </a:t>
+            </a:r>
+            <a:r>
+              <a:rPr lang="en-CA" dirty="0" smtClean="0"/>
+              <a:t>C.5 </a:t>
+            </a:r>
+            <a:r>
+              <a:rPr lang="en-CA" dirty="0" smtClean="0"/>
+              <a:t>– SIM Swap Fraud</a:t>
             </a:r>
           </a:p>
           <a:p>
@@ -3188,6 +3196,13 @@
   <p:clrMapOvr>
     <a:masterClrMapping/>
   </p:clrMapOvr>
+  <p:timing>
+    <p:tnLst>
+      <p:par>
+        <p:cTn id="1" dur="indefinite" restart="never" nodeType="tmRoot"/>
+      </p:par>
+    </p:tnLst>
+  </p:timing>
 </p:sld>
 </file>
 
